--- a/outros/@video/logo.pptx
+++ b/outros/@video/logo.pptx
@@ -243,7 +243,7 @@
           <a:p>
             <a:fld id="{8E31E12D-DCA9-411A-8D45-790673E6EF15}" type="datetimeFigureOut">
               <a:rPr lang="pt-BR" smtClean="0"/>
-              <a:t>16/11/2020</a:t>
+              <a:t>19/11/2020</a:t>
             </a:fld>
             <a:endParaRPr lang="pt-BR"/>
           </a:p>
@@ -413,7 +413,7 @@
           <a:p>
             <a:fld id="{8E31E12D-DCA9-411A-8D45-790673E6EF15}" type="datetimeFigureOut">
               <a:rPr lang="pt-BR" smtClean="0"/>
-              <a:t>16/11/2020</a:t>
+              <a:t>19/11/2020</a:t>
             </a:fld>
             <a:endParaRPr lang="pt-BR"/>
           </a:p>
@@ -593,7 +593,7 @@
           <a:p>
             <a:fld id="{8E31E12D-DCA9-411A-8D45-790673E6EF15}" type="datetimeFigureOut">
               <a:rPr lang="pt-BR" smtClean="0"/>
-              <a:t>16/11/2020</a:t>
+              <a:t>19/11/2020</a:t>
             </a:fld>
             <a:endParaRPr lang="pt-BR"/>
           </a:p>
@@ -763,7 +763,7 @@
           <a:p>
             <a:fld id="{8E31E12D-DCA9-411A-8D45-790673E6EF15}" type="datetimeFigureOut">
               <a:rPr lang="pt-BR" smtClean="0"/>
-              <a:t>16/11/2020</a:t>
+              <a:t>19/11/2020</a:t>
             </a:fld>
             <a:endParaRPr lang="pt-BR"/>
           </a:p>
@@ -1009,7 +1009,7 @@
           <a:p>
             <a:fld id="{8E31E12D-DCA9-411A-8D45-790673E6EF15}" type="datetimeFigureOut">
               <a:rPr lang="pt-BR" smtClean="0"/>
-              <a:t>16/11/2020</a:t>
+              <a:t>19/11/2020</a:t>
             </a:fld>
             <a:endParaRPr lang="pt-BR"/>
           </a:p>
@@ -1241,7 +1241,7 @@
           <a:p>
             <a:fld id="{8E31E12D-DCA9-411A-8D45-790673E6EF15}" type="datetimeFigureOut">
               <a:rPr lang="pt-BR" smtClean="0"/>
-              <a:t>16/11/2020</a:t>
+              <a:t>19/11/2020</a:t>
             </a:fld>
             <a:endParaRPr lang="pt-BR"/>
           </a:p>
@@ -1608,7 +1608,7 @@
           <a:p>
             <a:fld id="{8E31E12D-DCA9-411A-8D45-790673E6EF15}" type="datetimeFigureOut">
               <a:rPr lang="pt-BR" smtClean="0"/>
-              <a:t>16/11/2020</a:t>
+              <a:t>19/11/2020</a:t>
             </a:fld>
             <a:endParaRPr lang="pt-BR"/>
           </a:p>
@@ -1726,7 +1726,7 @@
           <a:p>
             <a:fld id="{8E31E12D-DCA9-411A-8D45-790673E6EF15}" type="datetimeFigureOut">
               <a:rPr lang="pt-BR" smtClean="0"/>
-              <a:t>16/11/2020</a:t>
+              <a:t>19/11/2020</a:t>
             </a:fld>
             <a:endParaRPr lang="pt-BR"/>
           </a:p>
@@ -1821,7 +1821,7 @@
           <a:p>
             <a:fld id="{8E31E12D-DCA9-411A-8D45-790673E6EF15}" type="datetimeFigureOut">
               <a:rPr lang="pt-BR" smtClean="0"/>
-              <a:t>16/11/2020</a:t>
+              <a:t>19/11/2020</a:t>
             </a:fld>
             <a:endParaRPr lang="pt-BR"/>
           </a:p>
@@ -2098,7 +2098,7 @@
           <a:p>
             <a:fld id="{8E31E12D-DCA9-411A-8D45-790673E6EF15}" type="datetimeFigureOut">
               <a:rPr lang="pt-BR" smtClean="0"/>
-              <a:t>16/11/2020</a:t>
+              <a:t>19/11/2020</a:t>
             </a:fld>
             <a:endParaRPr lang="pt-BR"/>
           </a:p>
@@ -2351,7 +2351,7 @@
           <a:p>
             <a:fld id="{8E31E12D-DCA9-411A-8D45-790673E6EF15}" type="datetimeFigureOut">
               <a:rPr lang="pt-BR" smtClean="0"/>
-              <a:t>16/11/2020</a:t>
+              <a:t>19/11/2020</a:t>
             </a:fld>
             <a:endParaRPr lang="pt-BR"/>
           </a:p>
@@ -2564,7 +2564,7 @@
           <a:p>
             <a:fld id="{8E31E12D-DCA9-411A-8D45-790673E6EF15}" type="datetimeFigureOut">
               <a:rPr lang="pt-BR" smtClean="0"/>
-              <a:t>16/11/2020</a:t>
+              <a:t>19/11/2020</a:t>
             </a:fld>
             <a:endParaRPr lang="pt-BR"/>
           </a:p>
@@ -3358,6 +3358,49 @@
           </a:ln>
         </p:spPr>
       </p:pic>
+      <p:pic>
+        <p:nvPicPr>
+          <p:cNvPr id="11" name="Imagem 10"/>
+          <p:cNvPicPr>
+            <a:picLocks noChangeAspect="1"/>
+          </p:cNvPicPr>
+          <p:nvPr/>
+        </p:nvPicPr>
+        <p:blipFill>
+          <a:blip r:embed="rId6">
+            <a:biLevel thresh="75000"/>
+            <a:extLst>
+              <a:ext uri="{BEBA8EAE-BF5A-486C-A8C5-ECC9F3942E4B}">
+                <a14:imgProps xmlns:a14="http://schemas.microsoft.com/office/drawing/2010/main">
+                  <a14:imgLayer r:embed="rId7">
+                    <a14:imgEffect>
+                      <a14:brightnessContrast bright="-40000" contrast="-40000"/>
+                    </a14:imgEffect>
+                  </a14:imgLayer>
+                </a14:imgProps>
+              </a:ext>
+              <a:ext uri="{28A0092B-C50C-407E-A947-70E740481C1C}">
+                <a14:useLocalDpi xmlns:a14="http://schemas.microsoft.com/office/drawing/2010/main" val="0"/>
+              </a:ext>
+            </a:extLst>
+          </a:blip>
+          <a:stretch>
+            <a:fillRect/>
+          </a:stretch>
+        </p:blipFill>
+        <p:spPr>
+          <a:xfrm>
+            <a:off x="1402443" y="508518"/>
+            <a:ext cx="3097036" cy="1188823"/>
+          </a:xfrm>
+          <a:prstGeom prst="rect">
+            <a:avLst/>
+          </a:prstGeom>
+          <a:ln>
+            <a:noFill/>
+          </a:ln>
+        </p:spPr>
+      </p:pic>
     </p:spTree>
     <p:extLst>
       <p:ext uri="{BB962C8B-B14F-4D97-AF65-F5344CB8AC3E}">
